--- a/Loan Defaulter Case Study.pptx
+++ b/Loan Defaulter Case Study.pptx
@@ -25,7 +25,8 @@
     <p:sldId id="275" r:id="rId19"/>
     <p:sldId id="276" r:id="rId20"/>
     <p:sldId id="277" r:id="rId21"/>
-    <p:sldId id="278" r:id="rId22"/>
+    <p:sldId id="279" r:id="rId22"/>
+    <p:sldId id="278" r:id="rId23"/>
   </p:sldIdLst>
   <p:sldSz cx="12192000" cy="6858000"/>
   <p:notesSz cx="6858000" cy="9144000"/>
@@ -5786,6 +5787,122 @@
 <file path=ppt/slides/slide21.xml><?xml version="1.0" encoding="utf-8"?>
 <p:sld xmlns:a="http://schemas.openxmlformats.org/drawingml/2006/main" xmlns:r="http://schemas.openxmlformats.org/officeDocument/2006/relationships" xmlns:p="http://schemas.openxmlformats.org/presentationml/2006/main">
   <p:cSld>
+    <p:bg>
+      <p:bgPr>
+        <a:solidFill>
+          <a:schemeClr val="bg1"/>
+        </a:solidFill>
+        <a:effectLst/>
+      </p:bgPr>
+    </p:bg>
+    <p:spTree>
+      <p:nvGrpSpPr>
+        <p:cNvPr id="1" name=""/>
+        <p:cNvGrpSpPr/>
+        <p:nvPr/>
+      </p:nvGrpSpPr>
+      <p:grpSpPr>
+        <a:xfrm>
+          <a:off x="0" y="0"/>
+          <a:ext cx="0" cy="0"/>
+          <a:chOff x="0" y="0"/>
+          <a:chExt cx="0" cy="0"/>
+        </a:xfrm>
+      </p:grpSpPr>
+      <p:sp>
+        <p:nvSpPr>
+          <p:cNvPr id="3" name="Subtitle 2">
+            <a:extLst>
+              <a:ext uri="{FF2B5EF4-FFF2-40B4-BE49-F238E27FC236}">
+                <a16:creationId xmlns:a16="http://schemas.microsoft.com/office/drawing/2014/main" id="{EACD09FD-4B18-C740-32F7-67DD7747877A}"/>
+              </a:ext>
+            </a:extLst>
+          </p:cNvPr>
+          <p:cNvSpPr>
+            <a:spLocks noGrp="1"/>
+          </p:cNvSpPr>
+          <p:nvPr>
+            <p:ph type="subTitle" idx="1"/>
+          </p:nvPr>
+        </p:nvSpPr>
+        <p:spPr>
+          <a:xfrm>
+            <a:off x="841616" y="2174489"/>
+            <a:ext cx="10086579" cy="4460488"/>
+          </a:xfrm>
+        </p:spPr>
+        <p:txBody>
+          <a:bodyPr>
+            <a:normAutofit/>
+          </a:bodyPr>
+          <a:lstStyle/>
+          <a:p>
+            <a:r>
+              <a:rPr lang="en-US" sz="2800" b="1" cap="none" dirty="0">
+                <a:solidFill>
+                  <a:srgbClr val="569CD6"/>
+                </a:solidFill>
+                <a:effectLst/>
+                <a:latin typeface="Consolas" panose="020B0609020204030204" pitchFamily="49" charset="0"/>
+              </a:rPr>
+              <a:t>With the analysis above it can be concluded that, purpose of loan, ownership of applicant, term of loan, income of the applicant and employment years are the strong factors whether it will be defaulted or not.</a:t>
+            </a:r>
+            <a:endParaRPr lang="en-US" sz="2800" b="0" cap="none" dirty="0">
+              <a:solidFill>
+                <a:srgbClr val="CCCCCC"/>
+              </a:solidFill>
+              <a:effectLst/>
+              <a:latin typeface="Consolas" panose="020B0609020204030204" pitchFamily="49" charset="0"/>
+            </a:endParaRPr>
+          </a:p>
+          <a:p>
+            <a:pPr>
+              <a:lnSpc>
+                <a:spcPct val="90000"/>
+              </a:lnSpc>
+            </a:pPr>
+            <a:endParaRPr lang="en-US" sz="1500" b="0" dirty="0">
+              <a:effectLst/>
+              <a:latin typeface="Consolas" panose="020B0609020204030204" pitchFamily="49" charset="0"/>
+            </a:endParaRPr>
+          </a:p>
+          <a:p>
+            <a:pPr>
+              <a:lnSpc>
+                <a:spcPct val="90000"/>
+              </a:lnSpc>
+            </a:pPr>
+            <a:endParaRPr lang="en-US" sz="1500" b="0" cap="none" dirty="0">
+              <a:effectLst/>
+              <a:latin typeface="Consolas" panose="020B0609020204030204" pitchFamily="49" charset="0"/>
+            </a:endParaRPr>
+          </a:p>
+          <a:p>
+            <a:pPr>
+              <a:lnSpc>
+                <a:spcPct val="90000"/>
+              </a:lnSpc>
+            </a:pPr>
+            <a:endParaRPr lang="en-CA" sz="1500" dirty="0"/>
+          </a:p>
+        </p:txBody>
+      </p:sp>
+    </p:spTree>
+    <p:extLst>
+      <p:ext uri="{BB962C8B-B14F-4D97-AF65-F5344CB8AC3E}">
+        <p14:creationId xmlns:p14="http://schemas.microsoft.com/office/powerpoint/2010/main" val="2184619191"/>
+      </p:ext>
+    </p:extLst>
+  </p:cSld>
+  <p:clrMapOvr>
+    <a:masterClrMapping/>
+  </p:clrMapOvr>
+</p:sld>
+</file>
+
+<file path=ppt/slides/slide22.xml><?xml version="1.0" encoding="utf-8"?>
+<p:sld xmlns:a="http://schemas.openxmlformats.org/drawingml/2006/main" xmlns:r="http://schemas.openxmlformats.org/officeDocument/2006/relationships" xmlns:p="http://schemas.openxmlformats.org/presentationml/2006/main">
+  <p:cSld>
     <p:spTree>
       <p:nvGrpSpPr>
         <p:cNvPr id="1" name=""/>
